--- a/doc/Poster_Poging3.pptx
+++ b/doc/Poster_Poging3.pptx
@@ -3064,6 +3064,157 @@
           <a:chExt cx="0" cy="0"/>
         </a:xfrm>
       </p:grpSpPr>
+      <p:pic>
+        <p:nvPicPr>
+          <p:cNvPr id="1034" name="Picture 10" descr="C:\Users\Aline\Downloads\Faeded.jpg"/>
+          <p:cNvPicPr>
+            <a:picLocks noChangeAspect="1" noChangeArrowheads="1"/>
+          </p:cNvPicPr>
+          <p:nvPr/>
+        </p:nvPicPr>
+        <p:blipFill>
+          <a:blip r:embed="rId2" cstate="print"/>
+          <a:srcRect t="74515" b="15291"/>
+          <a:stretch>
+            <a:fillRect/>
+          </a:stretch>
+        </p:blipFill>
+        <p:spPr bwMode="auto">
+          <a:xfrm rot="10800000">
+            <a:off x="3456383" y="2754412"/>
+            <a:ext cx="4104880" cy="288032"/>
+          </a:xfrm>
+          <a:prstGeom prst="rect">
+            <a:avLst/>
+          </a:prstGeom>
+          <a:noFill/>
+          <a:ln>
+            <a:solidFill>
+              <a:srgbClr val="4E2D12"/>
+            </a:solidFill>
+          </a:ln>
+        </p:spPr>
+      </p:pic>
+      <p:pic>
+        <p:nvPicPr>
+          <p:cNvPr id="1033" name="Picture 9" descr="C:\Users\Aline\Downloads\Faeded.jpg"/>
+          <p:cNvPicPr>
+            <a:picLocks noChangeAspect="1" noChangeArrowheads="1"/>
+          </p:cNvPicPr>
+          <p:nvPr/>
+        </p:nvPicPr>
+        <p:blipFill>
+          <a:blip r:embed="rId2" cstate="print">
+            <a:lum bright="10000" contrast="10000"/>
+          </a:blip>
+          <a:srcRect t="1739" r="91887"/>
+          <a:stretch>
+            <a:fillRect/>
+          </a:stretch>
+        </p:blipFill>
+        <p:spPr bwMode="auto">
+          <a:xfrm rot="16200000">
+            <a:off x="5346699" y="7416824"/>
+            <a:ext cx="324248" cy="4104880"/>
+          </a:xfrm>
+          <a:prstGeom prst="rect">
+            <a:avLst/>
+          </a:prstGeom>
+          <a:noFill/>
+        </p:spPr>
+      </p:pic>
+      <p:pic>
+        <p:nvPicPr>
+          <p:cNvPr id="1032" name="Picture 8" descr="C:\Users\Aline\Downloads\Faeded.jpg"/>
+          <p:cNvPicPr>
+            <a:picLocks noChangeAspect="1" noChangeArrowheads="1"/>
+          </p:cNvPicPr>
+          <p:nvPr/>
+        </p:nvPicPr>
+        <p:blipFill>
+          <a:blip r:embed="rId3" cstate="print">
+            <a:lum contrast="5000"/>
+          </a:blip>
+          <a:srcRect t="64635" b="3047"/>
+          <a:stretch>
+            <a:fillRect/>
+          </a:stretch>
+        </p:blipFill>
+        <p:spPr bwMode="auto">
+          <a:xfrm>
+            <a:off x="0" y="2754412"/>
+            <a:ext cx="3312368" cy="288032"/>
+          </a:xfrm>
+          <a:prstGeom prst="rect">
+            <a:avLst/>
+          </a:prstGeom>
+          <a:noFill/>
+          <a:ln>
+            <a:solidFill>
+              <a:srgbClr val="4E2D12"/>
+            </a:solidFill>
+          </a:ln>
+        </p:spPr>
+      </p:pic>
+      <p:pic>
+        <p:nvPicPr>
+          <p:cNvPr id="1031" name="Picture 7" descr="C:\Users\Aline\Downloads\Faeded.jpg"/>
+          <p:cNvPicPr>
+            <a:picLocks noChangeAspect="1" noChangeArrowheads="1"/>
+          </p:cNvPicPr>
+          <p:nvPr/>
+        </p:nvPicPr>
+        <p:blipFill>
+          <a:blip r:embed="rId2" cstate="print">
+            <a:lum contrast="10000"/>
+          </a:blip>
+          <a:srcRect b="70464"/>
+          <a:stretch>
+            <a:fillRect/>
+          </a:stretch>
+        </p:blipFill>
+        <p:spPr bwMode="auto">
+          <a:xfrm>
+            <a:off x="0" y="0"/>
+            <a:ext cx="7561263" cy="1026220"/>
+          </a:xfrm>
+          <a:prstGeom prst="rect">
+            <a:avLst/>
+          </a:prstGeom>
+          <a:noFill/>
+          <a:ln>
+            <a:solidFill>
+              <a:srgbClr val="4E2D12"/>
+            </a:solidFill>
+          </a:ln>
+        </p:spPr>
+      </p:pic>
+      <p:pic>
+        <p:nvPicPr>
+          <p:cNvPr id="1029" name="Picture 5" descr="C:\Users\Aline\Downloads\dna-modified-tree-genetic-4433322.jpg"/>
+          <p:cNvPicPr>
+            <a:picLocks noChangeAspect="1" noChangeArrowheads="1"/>
+          </p:cNvPicPr>
+          <p:nvPr/>
+        </p:nvPicPr>
+        <p:blipFill>
+          <a:blip r:embed="rId4" cstate="print"/>
+          <a:srcRect/>
+          <a:stretch>
+            <a:fillRect/>
+          </a:stretch>
+        </p:blipFill>
+        <p:spPr bwMode="auto">
+          <a:xfrm>
+            <a:off x="468263" y="4986660"/>
+            <a:ext cx="1030287" cy="1316037"/>
+          </a:xfrm>
+          <a:prstGeom prst="rect">
+            <a:avLst/>
+          </a:prstGeom>
+          <a:noFill/>
+        </p:spPr>
+      </p:pic>
       <p:sp>
         <p:nvSpPr>
           <p:cNvPr id="4" name="Rectangle 3"/>
@@ -3078,6 +3229,12 @@
           <a:prstGeom prst="rect">
             <a:avLst/>
           </a:prstGeom>
+          <a:noFill/>
+          <a:ln>
+            <a:solidFill>
+              <a:srgbClr val="492303"/>
+            </a:solidFill>
+          </a:ln>
         </p:spPr>
         <p:style>
           <a:lnRef idx="2">
@@ -3103,7 +3260,7 @@
             <a:r>
               <a:rPr lang="nl-NL" sz="2400" b="1" dirty="0" smtClean="0">
                 <a:solidFill>
-                  <a:schemeClr val="bg1"/>
+                  <a:srgbClr val="492303"/>
                 </a:solidFill>
               </a:rPr>
               <a:t>Inferring</a:t>
@@ -3111,7 +3268,7 @@
             <a:r>
               <a:rPr lang="nl-NL" sz="2400" dirty="0" smtClean="0">
                 <a:solidFill>
-                  <a:schemeClr val="bg1"/>
+                  <a:srgbClr val="492303"/>
                 </a:solidFill>
               </a:rPr>
               <a:t> </a:t>
@@ -3119,7 +3276,7 @@
             <a:r>
               <a:rPr lang="nl-NL" sz="2400" b="1" dirty="0" smtClean="0">
                 <a:solidFill>
-                  <a:schemeClr val="bg1"/>
+                  <a:srgbClr val="492303"/>
                 </a:solidFill>
               </a:rPr>
               <a:t>Phylogenies</a:t>
@@ -3127,7 +3284,7 @@
             <a:r>
               <a:rPr lang="nl-NL" sz="2400" dirty="0" smtClean="0">
                 <a:solidFill>
-                  <a:schemeClr val="bg1"/>
+                  <a:srgbClr val="492303"/>
                 </a:solidFill>
               </a:rPr>
               <a:t>:</a:t>
@@ -3138,12 +3295,16 @@
             <a:r>
               <a:rPr lang="nl-NL" dirty="0" smtClean="0">
                 <a:solidFill>
-                  <a:schemeClr val="bg1"/>
+                  <a:srgbClr val="492303"/>
                 </a:solidFill>
               </a:rPr>
               <a:t>BEAST2 and the Protracted Birth-Death Model</a:t>
             </a:r>
-            <a:endParaRPr lang="en-GB" dirty="0"/>
+            <a:endParaRPr lang="en-GB" dirty="0">
+              <a:solidFill>
+                <a:srgbClr val="492303"/>
+              </a:solidFill>
+            </a:endParaRPr>
           </a:p>
         </p:txBody>
       </p:sp>
@@ -3162,6 +3323,11 @@
             <a:avLst/>
           </a:prstGeom>
           <a:noFill/>
+          <a:ln>
+            <a:solidFill>
+              <a:srgbClr val="4E2D12"/>
+            </a:solidFill>
+          </a:ln>
         </p:spPr>
         <p:style>
           <a:lnRef idx="2">
@@ -3203,6 +3369,11 @@
             <a:avLst/>
           </a:prstGeom>
           <a:noFill/>
+          <a:ln>
+            <a:solidFill>
+              <a:srgbClr val="4E2D12"/>
+            </a:solidFill>
+          </a:ln>
         </p:spPr>
         <p:style>
           <a:lnRef idx="2">
@@ -3244,6 +3415,11 @@
             <a:avLst/>
           </a:prstGeom>
           <a:noFill/>
+          <a:ln>
+            <a:solidFill>
+              <a:srgbClr val="4E2D12"/>
+            </a:solidFill>
+          </a:ln>
         </p:spPr>
         <p:style>
           <a:lnRef idx="2">
@@ -3279,7 +3455,7 @@
         <p:spPr>
           <a:xfrm>
             <a:off x="0" y="1170236"/>
-            <a:ext cx="3996655" cy="1338828"/>
+            <a:ext cx="3996655" cy="1754326"/>
           </a:xfrm>
           <a:prstGeom prst="rect">
             <a:avLst/>
@@ -3295,8 +3471,41 @@
             <a:pPr algn="just"/>
             <a:r>
               <a:rPr lang="nl-NL" sz="900" dirty="0" smtClean="0"/>
-              <a:t>In nature, speciation takes time. However, many phylogenetic inference programs use models that assume speciation to happen instantly. The pure Birth-Death model (BD) assumes instant speciation. However,  data from nature shows a slowdown in lineage accumulation towards the present, despite model assumptions. An extention of this model, the Protracted BD model (PBD), allows for speciation to take time. </a:t>
-            </a:r>
+              <a:t>In nature, speciation takes time. However, many phylogenetic inference </a:t>
+            </a:r>
+            <a:r>
+              <a:rPr lang="nl-NL" sz="900" dirty="0" smtClean="0"/>
+              <a:t>programs, like BEAST2, </a:t>
+            </a:r>
+            <a:r>
+              <a:rPr lang="nl-NL" sz="900" dirty="0" smtClean="0"/>
+              <a:t>use models that assume speciation to happen instantly. </a:t>
+            </a:r>
+            <a:r>
+              <a:rPr lang="nl-NL" sz="900" dirty="0" smtClean="0"/>
+              <a:t>One of those models is the pure </a:t>
+            </a:r>
+            <a:r>
+              <a:rPr lang="nl-NL" sz="900" dirty="0" smtClean="0"/>
+              <a:t>Birth-Death model (BD</a:t>
+            </a:r>
+            <a:r>
+              <a:rPr lang="nl-NL" sz="900" dirty="0" smtClean="0"/>
+              <a:t>), which predicts a steady increase in lineages over time . </a:t>
+            </a:r>
+            <a:r>
+              <a:rPr lang="nl-NL" sz="900" dirty="0" smtClean="0"/>
+              <a:t>However,  data from nature shows a slowdown in lineage accumulation towards the present, despite model assumptions. An extention of this model, the Protracted BD model (PBD), allows for speciation to take time. </a:t>
+            </a:r>
+            <a:r>
+              <a:rPr lang="nl-NL" sz="900" dirty="0" smtClean="0"/>
+              <a:t>The effect this protractednes has on reconstructing phylogenies is currently unknown. By generating PBD parameter estimates and letting BEAST2 infer phylogenies from it</a:t>
+            </a:r>
+            <a:r>
+              <a:rPr lang="nl-NL" sz="900" dirty="0" smtClean="0"/>
+              <a:t>, we can estimate the error BEAST2 makes.</a:t>
+            </a:r>
+            <a:endParaRPr lang="nl-NL" sz="900" dirty="0" smtClean="0"/>
           </a:p>
           <a:p>
             <a:pPr algn="just"/>
@@ -3315,84 +3524,6 @@
       <p:pic>
         <p:nvPicPr>
           <p:cNvPr id="13" name="Picture 2" descr="C:\Users\Aline\Dropbox\RUG 2015-2016\1.9 Community eclogy research\4. Poster_presentation\Photo's\Pure BD and protracted BD visualized.png"/>
-          <p:cNvPicPr>
-            <a:picLocks noChangeAspect="1" noChangeArrowheads="1"/>
-          </p:cNvPicPr>
-          <p:nvPr/>
-        </p:nvPicPr>
-        <p:blipFill>
-          <a:blip r:embed="rId2" cstate="print"/>
-          <a:srcRect/>
-          <a:stretch>
-            <a:fillRect/>
-          </a:stretch>
-        </p:blipFill>
-        <p:spPr bwMode="auto">
-          <a:xfrm>
-            <a:off x="5868863" y="1242244"/>
-            <a:ext cx="1572319" cy="1270107"/>
-          </a:xfrm>
-          <a:prstGeom prst="rect">
-            <a:avLst/>
-          </a:prstGeom>
-          <a:noFill/>
-        </p:spPr>
-      </p:pic>
-      <p:pic>
-        <p:nvPicPr>
-          <p:cNvPr id="14" name="Picture 2" descr="C:\Users\Aline\Dropbox\RUG 2015-2016\1.9 Community eclogy research\4. Poster_presentation\Photo's\Parameter file example.png"/>
-          <p:cNvPicPr>
-            <a:picLocks noChangeAspect="1" noChangeArrowheads="1"/>
-          </p:cNvPicPr>
-          <p:nvPr/>
-        </p:nvPicPr>
-        <p:blipFill>
-          <a:blip r:embed="rId3" cstate="print"/>
-          <a:srcRect/>
-          <a:stretch>
-            <a:fillRect/>
-          </a:stretch>
-        </p:blipFill>
-        <p:spPr bwMode="auto">
-          <a:xfrm>
-            <a:off x="108223" y="3186460"/>
-            <a:ext cx="1600779" cy="1659899"/>
-          </a:xfrm>
-          <a:prstGeom prst="rect">
-            <a:avLst/>
-          </a:prstGeom>
-          <a:noFill/>
-        </p:spPr>
-      </p:pic>
-      <p:pic>
-        <p:nvPicPr>
-          <p:cNvPr id="15" name="Picture 2" descr="C:\Users\Aline\Dropbox\RUG 2015-2016\1.9 Community eclogy research\4. Poster_presentation\Figs and graphs ppt\Step1_Incipient species tree.png"/>
-          <p:cNvPicPr>
-            <a:picLocks noChangeAspect="1" noChangeArrowheads="1"/>
-          </p:cNvPicPr>
-          <p:nvPr/>
-        </p:nvPicPr>
-        <p:blipFill>
-          <a:blip r:embed="rId4" cstate="print"/>
-          <a:srcRect/>
-          <a:stretch>
-            <a:fillRect/>
-          </a:stretch>
-        </p:blipFill>
-        <p:spPr bwMode="auto">
-          <a:xfrm>
-            <a:off x="108223" y="4986660"/>
-            <a:ext cx="1584176" cy="1584176"/>
-          </a:xfrm>
-          <a:prstGeom prst="rect">
-            <a:avLst/>
-          </a:prstGeom>
-          <a:noFill/>
-        </p:spPr>
-      </p:pic>
-      <p:pic>
-        <p:nvPicPr>
-          <p:cNvPr id="16" name="Picture 3" descr="C:\Users\Aline\Dropbox\RUG 2015-2016\1.9 Community eclogy research\4. Poster_presentation\Figs and graphs ppt\Step2_Sampled species tree.png"/>
           <p:cNvPicPr>
             <a:picLocks noChangeAspect="1" noChangeArrowheads="1"/>
           </p:cNvPicPr>
@@ -3407,8 +3538,8 @@
         </p:blipFill>
         <p:spPr bwMode="auto">
           <a:xfrm>
-            <a:off x="324247" y="6714852"/>
-            <a:ext cx="1129890" cy="792088"/>
+            <a:off x="5724847" y="1242244"/>
+            <a:ext cx="1572319" cy="1270107"/>
           </a:xfrm>
           <a:prstGeom prst="rect">
             <a:avLst/>
@@ -3418,7 +3549,7 @@
       </p:pic>
       <p:pic>
         <p:nvPicPr>
-          <p:cNvPr id="17" name="Picture 4" descr="C:\Users\Aline\Dropbox\RUG 2015-2016\1.9 Community eclogy research\4. Poster_presentation\Figs and graphs ppt\Step3_Alignment.png"/>
+          <p:cNvPr id="14" name="Picture 2" descr="C:\Users\Aline\Dropbox\RUG 2015-2016\1.9 Community eclogy research\4. Poster_presentation\Photo's\Parameter file example.png"/>
           <p:cNvPicPr>
             <a:picLocks noChangeAspect="1" noChangeArrowheads="1"/>
           </p:cNvPicPr>
@@ -3433,8 +3564,8 @@
         </p:blipFill>
         <p:spPr bwMode="auto">
           <a:xfrm>
-            <a:off x="108223" y="7650956"/>
-            <a:ext cx="1557489" cy="1152128"/>
+            <a:off x="108223" y="3186460"/>
+            <a:ext cx="1600779" cy="1659899"/>
           </a:xfrm>
           <a:prstGeom prst="rect">
             <a:avLst/>
@@ -3444,25 +3575,23 @@
       </p:pic>
       <p:pic>
         <p:nvPicPr>
-          <p:cNvPr id="18" name="Picture 5" descr="C:\Users\Aline\Dropbox\RUG 2015-2016\1.9 Community eclogy research\4. Poster_presentation\Figs and graphs ppt\Step4_Posterior.png"/>
+          <p:cNvPr id="15" name="Picture 2" descr="C:\Users\Aline\Dropbox\RUG 2015-2016\1.9 Community eclogy research\4. Poster_presentation\Figs and graphs ppt\Step1_Incipient species tree.png"/>
           <p:cNvPicPr>
             <a:picLocks noChangeAspect="1" noChangeArrowheads="1"/>
           </p:cNvPicPr>
           <p:nvPr/>
         </p:nvPicPr>
         <p:blipFill>
-          <a:blip r:embed="rId7" cstate="print">
-            <a:lum bright="-50000" contrast="70000"/>
-          </a:blip>
-          <a:srcRect l="5463" t="18399" r="4187" b="3572"/>
+          <a:blip r:embed="rId7" cstate="print"/>
+          <a:srcRect/>
           <a:stretch>
             <a:fillRect/>
           </a:stretch>
         </p:blipFill>
         <p:spPr bwMode="auto">
           <a:xfrm>
-            <a:off x="108223" y="8947100"/>
-            <a:ext cx="1917686" cy="1656184"/>
+            <a:off x="108223" y="4986660"/>
+            <a:ext cx="1584176" cy="1584176"/>
           </a:xfrm>
           <a:prstGeom prst="rect">
             <a:avLst/>
@@ -3470,77 +3599,9 @@
           <a:noFill/>
         </p:spPr>
       </p:pic>
-      <p:sp>
-        <p:nvSpPr>
-          <p:cNvPr id="19" name="TextBox 18"/>
-          <p:cNvSpPr txBox="1"/>
-          <p:nvPr/>
-        </p:nvSpPr>
-        <p:spPr>
-          <a:xfrm>
-            <a:off x="1764408" y="3186460"/>
-            <a:ext cx="1440160" cy="369332"/>
-          </a:xfrm>
-          <a:prstGeom prst="rect">
-            <a:avLst/>
-          </a:prstGeom>
-          <a:noFill/>
-        </p:spPr>
-        <p:txBody>
-          <a:bodyPr wrap="square" rtlCol="0">
-            <a:spAutoFit/>
-          </a:bodyPr>
-          <a:lstStyle/>
-          <a:p>
-            <a:r>
-              <a:rPr lang="nl-NL" sz="900" b="1" dirty="0" smtClean="0"/>
-              <a:t>Step 1</a:t>
-            </a:r>
-            <a:r>
-              <a:rPr lang="nl-NL" sz="900" dirty="0" smtClean="0"/>
-              <a:t>: Simulate desired parameter files</a:t>
-            </a:r>
-            <a:endParaRPr lang="en-GB" sz="900" dirty="0"/>
-          </a:p>
-        </p:txBody>
-      </p:sp>
-      <p:sp>
-        <p:nvSpPr>
-          <p:cNvPr id="20" name="TextBox 19"/>
-          <p:cNvSpPr txBox="1"/>
-          <p:nvPr/>
-        </p:nvSpPr>
-        <p:spPr>
-          <a:xfrm>
-            <a:off x="1836416" y="4986660"/>
-            <a:ext cx="1368151" cy="507831"/>
-          </a:xfrm>
-          <a:prstGeom prst="rect">
-            <a:avLst/>
-          </a:prstGeom>
-          <a:noFill/>
-        </p:spPr>
-        <p:txBody>
-          <a:bodyPr wrap="square" rtlCol="0">
-            <a:spAutoFit/>
-          </a:bodyPr>
-          <a:lstStyle/>
-          <a:p>
-            <a:r>
-              <a:rPr lang="nl-NL" sz="900" b="1" dirty="0" smtClean="0"/>
-              <a:t>Step 2</a:t>
-            </a:r>
-            <a:r>
-              <a:rPr lang="nl-NL" sz="900" dirty="0" smtClean="0"/>
-              <a:t>: Simulate 1 incipient species tree per parameter file</a:t>
-            </a:r>
-            <a:endParaRPr lang="en-GB" sz="900" dirty="0"/>
-          </a:p>
-        </p:txBody>
-      </p:sp>
       <p:pic>
         <p:nvPicPr>
-          <p:cNvPr id="21" name="Picture 5" descr="beast.png"/>
+          <p:cNvPr id="16" name="Picture 3" descr="C:\Users\Aline\Dropbox\RUG 2015-2016\1.9 Community eclogy research\4. Poster_presentation\Figs and graphs ppt\Step2_Sampled species tree.png"/>
           <p:cNvPicPr>
             <a:picLocks noChangeAspect="1" noChangeArrowheads="1"/>
           </p:cNvPicPr>
@@ -3554,9 +3615,9 @@
           </a:stretch>
         </p:blipFill>
         <p:spPr bwMode="auto">
-          <a:xfrm rot="20432816">
-            <a:off x="56220" y="8931310"/>
-            <a:ext cx="407458" cy="407459"/>
+          <a:xfrm>
+            <a:off x="324247" y="6714852"/>
+            <a:ext cx="1129890" cy="792088"/>
           </a:xfrm>
           <a:prstGeom prst="rect">
             <a:avLst/>
@@ -3564,104 +3625,70 @@
           <a:noFill/>
         </p:spPr>
       </p:pic>
-      <p:sp>
-        <p:nvSpPr>
-          <p:cNvPr id="22" name="TextBox 21"/>
-          <p:cNvSpPr txBox="1"/>
+      <p:pic>
+        <p:nvPicPr>
+          <p:cNvPr id="17" name="Picture 4" descr="C:\Users\Aline\Dropbox\RUG 2015-2016\1.9 Community eclogy research\4. Poster_presentation\Figs and graphs ppt\Step3_Alignment.png"/>
+          <p:cNvPicPr>
+            <a:picLocks noChangeAspect="1" noChangeArrowheads="1"/>
+          </p:cNvPicPr>
           <p:nvPr/>
-        </p:nvSpPr>
-        <p:spPr>
-          <a:xfrm>
-            <a:off x="1836415" y="6642844"/>
-            <a:ext cx="1440159" cy="507831"/>
+        </p:nvPicPr>
+        <p:blipFill>
+          <a:blip r:embed="rId9" cstate="print"/>
+          <a:srcRect/>
+          <a:stretch>
+            <a:fillRect/>
+          </a:stretch>
+        </p:blipFill>
+        <p:spPr bwMode="auto">
+          <a:xfrm>
+            <a:off x="108223" y="7650956"/>
+            <a:ext cx="1557489" cy="1152128"/>
           </a:xfrm>
           <a:prstGeom prst="rect">
             <a:avLst/>
           </a:prstGeom>
           <a:noFill/>
         </p:spPr>
-        <p:txBody>
-          <a:bodyPr wrap="square" rtlCol="0">
-            <a:spAutoFit/>
-          </a:bodyPr>
-          <a:lstStyle/>
-          <a:p>
-            <a:r>
-              <a:rPr lang="nl-NL" sz="900" b="1" dirty="0" smtClean="0"/>
-              <a:t>Step 3</a:t>
-            </a:r>
-            <a:r>
-              <a:rPr lang="nl-NL" sz="900" dirty="0" smtClean="0"/>
-              <a:t>: Sample 2 monophyletic species trees per incipient tree</a:t>
-            </a:r>
-            <a:endParaRPr lang="en-GB" sz="900" dirty="0"/>
-          </a:p>
-        </p:txBody>
-      </p:sp>
-      <p:sp>
-        <p:nvSpPr>
-          <p:cNvPr id="23" name="TextBox 22"/>
-          <p:cNvSpPr txBox="1"/>
+      </p:pic>
+      <p:pic>
+        <p:nvPicPr>
+          <p:cNvPr id="18" name="Picture 5" descr="C:\Users\Aline\Dropbox\RUG 2015-2016\1.9 Community eclogy research\4. Poster_presentation\Figs and graphs ppt\Step4_Posterior.png"/>
+          <p:cNvPicPr>
+            <a:picLocks noChangeAspect="1" noChangeArrowheads="1"/>
+          </p:cNvPicPr>
           <p:nvPr/>
-        </p:nvSpPr>
-        <p:spPr>
-          <a:xfrm>
-            <a:off x="3564608" y="9739188"/>
-            <a:ext cx="3996656" cy="461665"/>
+        </p:nvPicPr>
+        <p:blipFill>
+          <a:blip r:embed="rId10" cstate="print">
+            <a:lum bright="-50000" contrast="70000"/>
+          </a:blip>
+          <a:srcRect l="5463" t="18399" r="4187" b="3572"/>
+          <a:stretch>
+            <a:fillRect/>
+          </a:stretch>
+        </p:blipFill>
+        <p:spPr bwMode="auto">
+          <a:xfrm>
+            <a:off x="108223" y="8947100"/>
+            <a:ext cx="1917686" cy="1656184"/>
           </a:xfrm>
           <a:prstGeom prst="rect">
             <a:avLst/>
           </a:prstGeom>
           <a:noFill/>
         </p:spPr>
-        <p:txBody>
-          <a:bodyPr wrap="square" rtlCol="0">
-            <a:spAutoFit/>
-          </a:bodyPr>
-          <a:lstStyle/>
-          <a:p>
-            <a:r>
-              <a:rPr lang="en-GB" sz="800" dirty="0" smtClean="0"/>
-              <a:t>Etienne, R. S., &amp; </a:t>
-            </a:r>
-            <a:r>
-              <a:rPr lang="en-GB" sz="800" dirty="0" err="1" smtClean="0"/>
-              <a:t>Rosindell</a:t>
-            </a:r>
-            <a:r>
-              <a:rPr lang="en-GB" sz="800" dirty="0" smtClean="0"/>
-              <a:t>, J. (2012). Prolonging the past counteracts the pull of the present: protracted speciation can explain observed slowdowns in diversification. </a:t>
-            </a:r>
-            <a:r>
-              <a:rPr lang="en-GB" sz="800" i="1" dirty="0" smtClean="0"/>
-              <a:t>Systematic Biology</a:t>
-            </a:r>
-            <a:r>
-              <a:rPr lang="en-GB" sz="800" dirty="0" smtClean="0"/>
-              <a:t>, </a:t>
-            </a:r>
-            <a:r>
-              <a:rPr lang="en-GB" sz="800" b="1" dirty="0" smtClean="0"/>
-              <a:t>61(2</a:t>
-            </a:r>
-            <a:r>
-              <a:rPr lang="en-GB" sz="800" dirty="0" smtClean="0"/>
-              <a:t>), 204-213.</a:t>
-            </a:r>
-            <a:endParaRPr lang="en-GB" sz="800" dirty="0"/>
-          </a:p>
-        </p:txBody>
-      </p:sp>
-      <p:sp>
-        <p:nvSpPr>
-          <p:cNvPr id="24" name="TextBox 23"/>
+      </p:pic>
+      <p:sp>
+        <p:nvSpPr>
+          <p:cNvPr id="19" name="TextBox 18"/>
           <p:cNvSpPr txBox="1"/>
           <p:nvPr/>
         </p:nvSpPr>
         <p:spPr>
           <a:xfrm>
-            <a:off x="1836416" y="7650956"/>
-            <a:ext cx="1440160" cy="507831"/>
+            <a:off x="1764408" y="3186460"/>
+            <a:ext cx="1440160" cy="369332"/>
           </a:xfrm>
           <a:prstGeom prst="rect">
             <a:avLst/>
@@ -3676,11 +3703,11 @@
           <a:p>
             <a:r>
               <a:rPr lang="nl-NL" sz="900" b="1" dirty="0" smtClean="0"/>
-              <a:t>Step 4</a:t>
+              <a:t>Step 1</a:t>
             </a:r>
             <a:r>
               <a:rPr lang="nl-NL" sz="900" dirty="0" smtClean="0"/>
-              <a:t>: Simulat 2 DNA alignments per sampled species tree</a:t>
+              <a:t>: Simulate desired parameter files</a:t>
             </a:r>
             <a:endParaRPr lang="en-GB" sz="900" dirty="0"/>
           </a:p>
@@ -3688,14 +3715,14 @@
       </p:sp>
       <p:sp>
         <p:nvSpPr>
-          <p:cNvPr id="25" name="TextBox 24"/>
+          <p:cNvPr id="20" name="TextBox 19"/>
           <p:cNvSpPr txBox="1"/>
           <p:nvPr/>
         </p:nvSpPr>
         <p:spPr>
           <a:xfrm>
-            <a:off x="2124448" y="8947100"/>
-            <a:ext cx="1080120" cy="923330"/>
+            <a:off x="1836416" y="4986660"/>
+            <a:ext cx="1368151" cy="507831"/>
           </a:xfrm>
           <a:prstGeom prst="rect">
             <a:avLst/>
@@ -3710,6 +3737,188 @@
           <a:p>
             <a:r>
               <a:rPr lang="nl-NL" sz="900" b="1" dirty="0" smtClean="0"/>
+              <a:t>Step 2</a:t>
+            </a:r>
+            <a:r>
+              <a:rPr lang="nl-NL" sz="900" dirty="0" smtClean="0"/>
+              <a:t>: Simulate 1 incipient species tree per parameter file</a:t>
+            </a:r>
+            <a:endParaRPr lang="en-GB" sz="900" dirty="0"/>
+          </a:p>
+        </p:txBody>
+      </p:sp>
+      <p:pic>
+        <p:nvPicPr>
+          <p:cNvPr id="21" name="Picture 5" descr="beast.png"/>
+          <p:cNvPicPr>
+            <a:picLocks noChangeAspect="1" noChangeArrowheads="1"/>
+          </p:cNvPicPr>
+          <p:nvPr/>
+        </p:nvPicPr>
+        <p:blipFill>
+          <a:blip r:embed="rId11" cstate="print"/>
+          <a:srcRect/>
+          <a:stretch>
+            <a:fillRect/>
+          </a:stretch>
+        </p:blipFill>
+        <p:spPr bwMode="auto">
+          <a:xfrm rot="20432816">
+            <a:off x="56220" y="8931310"/>
+            <a:ext cx="407458" cy="407459"/>
+          </a:xfrm>
+          <a:prstGeom prst="rect">
+            <a:avLst/>
+          </a:prstGeom>
+          <a:noFill/>
+        </p:spPr>
+      </p:pic>
+      <p:sp>
+        <p:nvSpPr>
+          <p:cNvPr id="22" name="TextBox 21"/>
+          <p:cNvSpPr txBox="1"/>
+          <p:nvPr/>
+        </p:nvSpPr>
+        <p:spPr>
+          <a:xfrm>
+            <a:off x="1836415" y="6642844"/>
+            <a:ext cx="1440159" cy="507831"/>
+          </a:xfrm>
+          <a:prstGeom prst="rect">
+            <a:avLst/>
+          </a:prstGeom>
+          <a:noFill/>
+        </p:spPr>
+        <p:txBody>
+          <a:bodyPr wrap="square" rtlCol="0">
+            <a:spAutoFit/>
+          </a:bodyPr>
+          <a:lstStyle/>
+          <a:p>
+            <a:r>
+              <a:rPr lang="nl-NL" sz="900" b="1" dirty="0" smtClean="0"/>
+              <a:t>Step 3</a:t>
+            </a:r>
+            <a:r>
+              <a:rPr lang="nl-NL" sz="900" dirty="0" smtClean="0"/>
+              <a:t>: Sample 2 monophyletic species trees per incipient tree</a:t>
+            </a:r>
+            <a:endParaRPr lang="en-GB" sz="900" dirty="0"/>
+          </a:p>
+        </p:txBody>
+      </p:sp>
+      <p:sp>
+        <p:nvSpPr>
+          <p:cNvPr id="23" name="TextBox 22"/>
+          <p:cNvSpPr txBox="1"/>
+          <p:nvPr/>
+        </p:nvSpPr>
+        <p:spPr>
+          <a:xfrm>
+            <a:off x="3564608" y="9739188"/>
+            <a:ext cx="3996656" cy="461665"/>
+          </a:xfrm>
+          <a:prstGeom prst="rect">
+            <a:avLst/>
+          </a:prstGeom>
+          <a:noFill/>
+        </p:spPr>
+        <p:txBody>
+          <a:bodyPr wrap="square" rtlCol="0">
+            <a:spAutoFit/>
+          </a:bodyPr>
+          <a:lstStyle/>
+          <a:p>
+            <a:r>
+              <a:rPr lang="en-GB" sz="800" dirty="0" smtClean="0"/>
+              <a:t>Etienne, R. S., &amp; </a:t>
+            </a:r>
+            <a:r>
+              <a:rPr lang="en-GB" sz="800" dirty="0" err="1" smtClean="0"/>
+              <a:t>Rosindell</a:t>
+            </a:r>
+            <a:r>
+              <a:rPr lang="en-GB" sz="800" dirty="0" smtClean="0"/>
+              <a:t>, J. (2012). Prolonging the past counteracts the pull of the present: protracted speciation can explain observed slowdowns in diversification. </a:t>
+            </a:r>
+            <a:r>
+              <a:rPr lang="en-GB" sz="800" i="1" dirty="0" smtClean="0"/>
+              <a:t>Systematic Biology</a:t>
+            </a:r>
+            <a:r>
+              <a:rPr lang="en-GB" sz="800" dirty="0" smtClean="0"/>
+              <a:t>, </a:t>
+            </a:r>
+            <a:r>
+              <a:rPr lang="en-GB" sz="800" b="1" dirty="0" smtClean="0"/>
+              <a:t>61(2</a:t>
+            </a:r>
+            <a:r>
+              <a:rPr lang="en-GB" sz="800" dirty="0" smtClean="0"/>
+              <a:t>), 204-213.</a:t>
+            </a:r>
+            <a:endParaRPr lang="en-GB" sz="800" dirty="0"/>
+          </a:p>
+        </p:txBody>
+      </p:sp>
+      <p:sp>
+        <p:nvSpPr>
+          <p:cNvPr id="24" name="TextBox 23"/>
+          <p:cNvSpPr txBox="1"/>
+          <p:nvPr/>
+        </p:nvSpPr>
+        <p:spPr>
+          <a:xfrm>
+            <a:off x="1836416" y="7650956"/>
+            <a:ext cx="1440160" cy="507831"/>
+          </a:xfrm>
+          <a:prstGeom prst="rect">
+            <a:avLst/>
+          </a:prstGeom>
+          <a:noFill/>
+        </p:spPr>
+        <p:txBody>
+          <a:bodyPr wrap="square" rtlCol="0">
+            <a:spAutoFit/>
+          </a:bodyPr>
+          <a:lstStyle/>
+          <a:p>
+            <a:r>
+              <a:rPr lang="nl-NL" sz="900" b="1" dirty="0" smtClean="0"/>
+              <a:t>Step 4</a:t>
+            </a:r>
+            <a:r>
+              <a:rPr lang="nl-NL" sz="900" dirty="0" smtClean="0"/>
+              <a:t>: Simulat 2 DNA alignments per sampled species tree</a:t>
+            </a:r>
+            <a:endParaRPr lang="en-GB" sz="900" dirty="0"/>
+          </a:p>
+        </p:txBody>
+      </p:sp>
+      <p:sp>
+        <p:nvSpPr>
+          <p:cNvPr id="25" name="TextBox 24"/>
+          <p:cNvSpPr txBox="1"/>
+          <p:nvPr/>
+        </p:nvSpPr>
+        <p:spPr>
+          <a:xfrm>
+            <a:off x="2124448" y="8947100"/>
+            <a:ext cx="1080120" cy="923330"/>
+          </a:xfrm>
+          <a:prstGeom prst="rect">
+            <a:avLst/>
+          </a:prstGeom>
+          <a:noFill/>
+        </p:spPr>
+        <p:txBody>
+          <a:bodyPr wrap="square" rtlCol="0">
+            <a:spAutoFit/>
+          </a:bodyPr>
+          <a:lstStyle/>
+          <a:p>
+            <a:r>
+              <a:rPr lang="nl-NL" sz="900" b="1" dirty="0" smtClean="0"/>
               <a:t>Step 5</a:t>
             </a:r>
             <a:r>
@@ -3734,6 +3943,12 @@
           <a:prstGeom prst="rect">
             <a:avLst/>
           </a:prstGeom>
+          <a:noFill/>
+          <a:ln>
+            <a:solidFill>
+              <a:srgbClr val="4E2D12"/>
+            </a:solidFill>
+          </a:ln>
         </p:spPr>
         <p:style>
           <a:lnRef idx="2">
@@ -3757,10 +3972,18 @@
           <a:p>
             <a:pPr algn="ctr"/>
             <a:r>
-              <a:rPr lang="en-GB" sz="1400" dirty="0" smtClean="0"/>
+              <a:rPr lang="en-GB" sz="1400" dirty="0" smtClean="0">
+                <a:solidFill>
+                  <a:srgbClr val="492303"/>
+                </a:solidFill>
+              </a:rPr>
               <a:t>Method</a:t>
             </a:r>
-            <a:endParaRPr lang="en-GB" sz="1400" dirty="0"/>
+            <a:endParaRPr lang="en-GB" sz="1400" dirty="0">
+              <a:solidFill>
+                <a:srgbClr val="492303"/>
+              </a:solidFill>
+            </a:endParaRPr>
           </a:p>
         </p:txBody>
       </p:sp>
@@ -3778,6 +4001,12 @@
           <a:prstGeom prst="rect">
             <a:avLst/>
           </a:prstGeom>
+          <a:noFill/>
+          <a:ln>
+            <a:solidFill>
+              <a:srgbClr val="4E2D12"/>
+            </a:solidFill>
+          </a:ln>
         </p:spPr>
         <p:style>
           <a:lnRef idx="2">
@@ -3801,10 +4030,18 @@
           <a:p>
             <a:pPr algn="ctr"/>
             <a:r>
-              <a:rPr lang="en-GB" sz="1400" dirty="0" smtClean="0"/>
+              <a:rPr lang="en-GB" sz="1400" dirty="0" smtClean="0">
+                <a:solidFill>
+                  <a:srgbClr val="492303"/>
+                </a:solidFill>
+              </a:rPr>
               <a:t>Results</a:t>
             </a:r>
-            <a:endParaRPr lang="en-GB" dirty="0"/>
+            <a:endParaRPr lang="en-GB" dirty="0">
+              <a:solidFill>
+                <a:srgbClr val="492303"/>
+              </a:solidFill>
+            </a:endParaRPr>
           </a:p>
         </p:txBody>
       </p:sp>
@@ -3822,6 +4059,12 @@
           <a:prstGeom prst="rect">
             <a:avLst/>
           </a:prstGeom>
+          <a:noFill/>
+          <a:ln>
+            <a:solidFill>
+              <a:srgbClr val="4E2D12"/>
+            </a:solidFill>
+          </a:ln>
         </p:spPr>
         <p:style>
           <a:lnRef idx="2">
@@ -3845,10 +4088,18 @@
           <a:p>
             <a:pPr algn="ctr"/>
             <a:r>
-              <a:rPr lang="en-GB" sz="1400" dirty="0" smtClean="0"/>
+              <a:rPr lang="en-GB" sz="1400" dirty="0" smtClean="0">
+                <a:solidFill>
+                  <a:srgbClr val="492303"/>
+                </a:solidFill>
+              </a:rPr>
               <a:t>References</a:t>
             </a:r>
-            <a:endParaRPr lang="en-GB" sz="1400" dirty="0"/>
+            <a:endParaRPr lang="en-GB" sz="1400" dirty="0">
+              <a:solidFill>
+                <a:srgbClr val="492303"/>
+              </a:solidFill>
+            </a:endParaRPr>
           </a:p>
         </p:txBody>
       </p:sp>
@@ -3860,7 +4111,7 @@
         </p:nvSpPr>
         <p:spPr>
           <a:xfrm>
-            <a:off x="5652839" y="2466380"/>
+            <a:off x="5580831" y="2466380"/>
             <a:ext cx="875928" cy="461665"/>
           </a:xfrm>
           <a:prstGeom prst="rect">
@@ -3902,7 +4153,7 @@
         </p:nvSpPr>
         <p:spPr>
           <a:xfrm>
-            <a:off x="6228903" y="2466380"/>
+            <a:off x="6084887" y="2466380"/>
             <a:ext cx="875928" cy="200055"/>
           </a:xfrm>
           <a:prstGeom prst="rect">
@@ -3933,7 +4184,7 @@
         </p:nvSpPr>
         <p:spPr>
           <a:xfrm>
-            <a:off x="6948983" y="2466380"/>
+            <a:off x="6732959" y="2466380"/>
             <a:ext cx="875928" cy="446276"/>
           </a:xfrm>
           <a:prstGeom prst="rect">
@@ -3967,7 +4218,7 @@
           <p:nvPr/>
         </p:nvPicPr>
         <p:blipFill>
-          <a:blip r:embed="rId9" cstate="print"/>
+          <a:blip r:embed="rId12" cstate="print"/>
           <a:srcRect/>
           <a:stretch>
             <a:fillRect/>
@@ -3975,13 +4226,49 @@
         </p:blipFill>
         <p:spPr bwMode="auto">
           <a:xfrm>
-            <a:off x="4284687" y="1242244"/>
+            <a:off x="4212679" y="1170236"/>
             <a:ext cx="1368152" cy="1320506"/>
           </a:xfrm>
           <a:prstGeom prst="rect">
             <a:avLst/>
           </a:prstGeom>
           <a:noFill/>
+        </p:spPr>
+      </p:pic>
+      <p:pic>
+        <p:nvPicPr>
+          <p:cNvPr id="1030" name="Picture 6"/>
+          <p:cNvPicPr>
+            <a:picLocks noChangeAspect="1" noChangeArrowheads="1"/>
+          </p:cNvPicPr>
+          <p:nvPr/>
+        </p:nvPicPr>
+        <p:blipFill>
+          <a:blip r:embed="rId13" cstate="print">
+            <a:lum bright="-23000"/>
+          </a:blip>
+          <a:srcRect/>
+          <a:stretch>
+            <a:fillRect/>
+          </a:stretch>
+        </p:blipFill>
+        <p:spPr bwMode="auto">
+          <a:xfrm>
+            <a:off x="108223" y="0"/>
+            <a:ext cx="1224136" cy="977609"/>
+          </a:xfrm>
+          <a:prstGeom prst="ellipse">
+            <a:avLst/>
+          </a:prstGeom>
+          <a:ln>
+            <a:noFill/>
+          </a:ln>
+          <a:effectLst>
+            <a:outerShdw sx="1000" sy="1000" algn="ctr" rotWithShape="0">
+              <a:srgbClr val="000000"/>
+            </a:outerShdw>
+            <a:softEdge rad="112500"/>
+          </a:effectLst>
         </p:spPr>
       </p:pic>
     </p:spTree>
@@ -3989,6 +4276,13 @@
   <p:clrMapOvr>
     <a:masterClrMapping/>
   </p:clrMapOvr>
+  <p:timing>
+    <p:tnLst>
+      <p:par>
+        <p:cTn id="1" dur="indefinite" restart="never" nodeType="tmRoot"/>
+      </p:par>
+    </p:tnLst>
+  </p:timing>
 </p:sld>
 </file>
 
